--- a/docs/diagrams/UntagSequenceDiagram.pptx
+++ b/docs/diagrams/UntagSequenceDiagram.pptx
@@ -3490,8 +3490,12 @@
           <a:p>
             <a:pPr algn="ctr"/>
             <a:r>
+              <a:rPr lang="en-US" sz="1600"/>
+              <a:t>ut:</a:t>
+            </a:r>
+            <a:r>
               <a:rPr lang="en-US" sz="1600" dirty="0"/>
-              <a:t>u:Untag</a:t>
+              <a:t>Untag</a:t>
             </a:r>
           </a:p>
           <a:p>
@@ -4229,7 +4233,7 @@
         <p:spPr>
           <a:xfrm>
             <a:off x="3135419" y="2964953"/>
-            <a:ext cx="359125" cy="369332"/>
+            <a:ext cx="421919" cy="369332"/>
           </a:xfrm>
           <a:prstGeom prst="rect">
             <a:avLst/>
@@ -4243,13 +4247,18 @@
           <a:lstStyle/>
           <a:p>
             <a:r>
-              <a:rPr lang="en-US" dirty="0">
+              <a:rPr lang="en-US" dirty="0" err="1">
                 <a:solidFill>
                   <a:schemeClr val="accent1"/>
                 </a:solidFill>
               </a:rPr>
-              <a:t>u</a:t>
-            </a:r>
+              <a:t>ut</a:t>
+            </a:r>
+            <a:endParaRPr lang="en-US" dirty="0">
+              <a:solidFill>
+                <a:schemeClr val="accent1"/>
+              </a:solidFill>
+            </a:endParaRPr>
           </a:p>
         </p:txBody>
       </p:sp>
@@ -4785,7 +4794,7 @@
         <p:spPr>
           <a:xfrm>
             <a:off x="4915208" y="2617236"/>
-            <a:ext cx="359125" cy="369332"/>
+            <a:ext cx="435921" cy="369332"/>
           </a:xfrm>
           <a:prstGeom prst="rect">
             <a:avLst/>
@@ -4799,13 +4808,18 @@
           <a:lstStyle/>
           <a:p>
             <a:r>
-              <a:rPr lang="en-US" dirty="0">
+              <a:rPr lang="en-US" dirty="0" err="1">
                 <a:solidFill>
                   <a:schemeClr val="accent1"/>
                 </a:solidFill>
               </a:rPr>
-              <a:t>u</a:t>
-            </a:r>
+              <a:t>ut</a:t>
+            </a:r>
+            <a:endParaRPr lang="en-US" dirty="0">
+              <a:solidFill>
+                <a:schemeClr val="accent1"/>
+              </a:solidFill>
+            </a:endParaRPr>
           </a:p>
         </p:txBody>
       </p:sp>
